--- a/_material/_我的學期報告/_ppt/空氣污染防制基金.pptx
+++ b/_material/_我的學期報告/_ppt/空氣污染防制基金.pptx
@@ -237,7 +237,7 @@
           <a:p>
             <a:fld id="{9539BBC8-49CB-420A-B111-0686B02E5C18}" type="datetimeFigureOut">
               <a:rPr lang="zh-HK" altLang="en-US" smtClean="0"/>
-              <a:t>17/10/2023</a:t>
+              <a:t>1/12/2023</a:t>
             </a:fld>
             <a:endParaRPr lang="zh-HK" altLang="en-US"/>
           </a:p>
@@ -20983,7 +20983,6 @@
             </a:lvl9pPr>
           </a:lstStyle>
           <a:p>
-            <a:pPr algn="ctr"/>
             <a:r>
               <a:rPr lang="zh-CN" altLang="en-US" sz="2800" kern="0" dirty="0"/>
               <a:t>營建工程</a:t>
@@ -21766,8 +21765,8 @@
         </p:nvSpPr>
         <p:spPr>
           <a:xfrm>
-            <a:off x="4283225" y="2818497"/>
-            <a:ext cx="1214531" cy="424537"/>
+            <a:off x="4557545" y="2818497"/>
+            <a:ext cx="940211" cy="424537"/>
           </a:xfrm>
           <a:prstGeom prst="rect">
             <a:avLst/>
@@ -22662,7 +22661,7 @@
         </p:nvSpPr>
         <p:spPr>
           <a:xfrm>
-            <a:off x="7748854" y="3216731"/>
+            <a:off x="7807797" y="3192349"/>
             <a:ext cx="1214531" cy="424537"/>
           </a:xfrm>
           <a:prstGeom prst="rect">

--- a/_material/_我的學期報告/_ppt/空氣污染防制基金.pptx
+++ b/_material/_我的學期報告/_ppt/空氣污染防制基金.pptx
@@ -5,7 +5,7 @@
     <p:sldMasterId id="2147483648" r:id="rId1"/>
   </p:sldMasterIdLst>
   <p:notesMasterIdLst>
-    <p:notesMasterId r:id="rId29"/>
+    <p:notesMasterId r:id="rId30"/>
   </p:notesMasterIdLst>
   <p:sldIdLst>
     <p:sldId id="314" r:id="rId2"/>
@@ -19,22 +19,23 @@
     <p:sldId id="346" r:id="rId10"/>
     <p:sldId id="362" r:id="rId11"/>
     <p:sldId id="338" r:id="rId12"/>
-    <p:sldId id="361" r:id="rId13"/>
-    <p:sldId id="335" r:id="rId14"/>
-    <p:sldId id="342" r:id="rId15"/>
-    <p:sldId id="363" r:id="rId16"/>
-    <p:sldId id="309" r:id="rId17"/>
-    <p:sldId id="364" r:id="rId18"/>
-    <p:sldId id="365" r:id="rId19"/>
-    <p:sldId id="340" r:id="rId20"/>
-    <p:sldId id="366" r:id="rId21"/>
-    <p:sldId id="343" r:id="rId22"/>
-    <p:sldId id="367" r:id="rId23"/>
-    <p:sldId id="368" r:id="rId24"/>
-    <p:sldId id="344" r:id="rId25"/>
-    <p:sldId id="337" r:id="rId26"/>
-    <p:sldId id="370" r:id="rId27"/>
-    <p:sldId id="310" r:id="rId28"/>
+    <p:sldId id="371" r:id="rId13"/>
+    <p:sldId id="361" r:id="rId14"/>
+    <p:sldId id="335" r:id="rId15"/>
+    <p:sldId id="342" r:id="rId16"/>
+    <p:sldId id="363" r:id="rId17"/>
+    <p:sldId id="309" r:id="rId18"/>
+    <p:sldId id="364" r:id="rId19"/>
+    <p:sldId id="365" r:id="rId20"/>
+    <p:sldId id="340" r:id="rId21"/>
+    <p:sldId id="366" r:id="rId22"/>
+    <p:sldId id="343" r:id="rId23"/>
+    <p:sldId id="367" r:id="rId24"/>
+    <p:sldId id="368" r:id="rId25"/>
+    <p:sldId id="344" r:id="rId26"/>
+    <p:sldId id="337" r:id="rId27"/>
+    <p:sldId id="370" r:id="rId28"/>
+    <p:sldId id="310" r:id="rId29"/>
   </p:sldIdLst>
   <p:sldSz cx="12192000" cy="6858000"/>
   <p:notesSz cx="6858000" cy="9144000"/>
@@ -237,7 +238,7 @@
           <a:p>
             <a:fld id="{9539BBC8-49CB-420A-B111-0686B02E5C18}" type="datetimeFigureOut">
               <a:rPr lang="zh-HK" altLang="en-US" smtClean="0"/>
-              <a:t>1/12/2023</a:t>
+              <a:t>12/12/2023</a:t>
             </a:fld>
             <a:endParaRPr lang="zh-HK" altLang="en-US"/>
           </a:p>
@@ -757,7 +758,7 @@
           <a:p>
             <a:fld id="{9FFE5AD0-77BF-4675-AD08-9C7CE238FAB0}" type="slidenum">
               <a:rPr lang="zh-HK" altLang="en-US" smtClean="0"/>
-              <a:t>15</a:t>
+              <a:t>16</a:t>
             </a:fld>
             <a:endParaRPr lang="zh-HK" altLang="en-US"/>
           </a:p>
@@ -22949,10 +22950,10 @@
           <a:lstStyle/>
           <a:p>
             <a:r>
-              <a:rPr lang="zh-CN" altLang="en-US" sz="2800" dirty="0"/>
+              <a:rPr lang="zh-CN" altLang="en-US" sz="2800" b="1" dirty="0"/>
               <a:t>空氣污染防制基金</a:t>
             </a:r>
-            <a:endParaRPr lang="zh-TW" altLang="en-US" sz="2800" dirty="0"/>
+            <a:endParaRPr lang="zh-TW" altLang="en-US" sz="2800" b="1" dirty="0"/>
           </a:p>
         </p:txBody>
       </p:sp>
@@ -23074,8 +23075,8 @@
         </p:nvSpPr>
         <p:spPr>
           <a:xfrm flipH="1">
-            <a:off x="5186881" y="1890740"/>
-            <a:ext cx="592277" cy="3200401"/>
+            <a:off x="5186881" y="2497342"/>
+            <a:ext cx="592277" cy="1987196"/>
           </a:xfrm>
           <a:prstGeom prst="rect">
             <a:avLst/>
@@ -23345,15 +23346,7 @@
                   <a:srgbClr val="00B0F0"/>
                 </a:solidFill>
               </a:rPr>
-              <a:t>環保署</a:t>
-            </a:r>
-            <a:r>
-              <a:rPr lang="zh-CN" altLang="en-US" kern="0" dirty="0">
-                <a:solidFill>
-                  <a:srgbClr val="00B0F0"/>
-                </a:solidFill>
-              </a:rPr>
-              <a:t>（環境部）</a:t>
+              <a:t>環境部</a:t>
             </a:r>
             <a:endParaRPr lang="zh-TW" altLang="en-US" kern="0" dirty="0">
               <a:solidFill>
@@ -25110,10 +25103,10 @@
           </a:lstStyle>
           <a:p>
             <a:r>
-              <a:rPr lang="zh-CN" altLang="en-US" sz="2800" kern="0" dirty="0"/>
+              <a:rPr lang="zh-CN" altLang="en-US" sz="2800" b="1" kern="0" dirty="0"/>
               <a:t>溫室氣體管理基金</a:t>
             </a:r>
-            <a:endParaRPr lang="zh-TW" altLang="en-US" sz="2800" kern="0" dirty="0"/>
+            <a:endParaRPr lang="zh-TW" altLang="en-US" sz="2800" b="1" kern="0" dirty="0"/>
           </a:p>
         </p:txBody>
       </p:sp>
@@ -25135,8 +25128,8 @@
         </p:nvCxnSpPr>
         <p:spPr>
           <a:xfrm flipV="1">
-            <a:off x="4293292" y="3490941"/>
-            <a:ext cx="893589" cy="1997666"/>
+            <a:off x="4293292" y="3490940"/>
+            <a:ext cx="893589" cy="1997667"/>
           </a:xfrm>
           <a:prstGeom prst="bentConnector3">
             <a:avLst>
@@ -25180,8 +25173,8 @@
         </p:nvCxnSpPr>
         <p:spPr>
           <a:xfrm>
-            <a:off x="5779158" y="3490941"/>
-            <a:ext cx="573889" cy="0"/>
+            <a:off x="5779158" y="3490940"/>
+            <a:ext cx="573889" cy="1"/>
           </a:xfrm>
           <a:prstGeom prst="straightConnector1">
             <a:avLst/>
@@ -26047,6 +26040,838 @@
       </p:grpSpPr>
       <p:sp>
         <p:nvSpPr>
+          <p:cNvPr id="2" name="標題 1">
+            <a:extLst>
+              <a:ext uri="{FF2B5EF4-FFF2-40B4-BE49-F238E27FC236}">
+                <a16:creationId xmlns:a16="http://schemas.microsoft.com/office/drawing/2014/main" id="{1C59881C-C266-47F5-824B-8544E92A5B0C}"/>
+              </a:ext>
+            </a:extLst>
+          </p:cNvPr>
+          <p:cNvSpPr>
+            <a:spLocks noGrp="1"/>
+          </p:cNvSpPr>
+          <p:nvPr>
+            <p:ph type="title" idx="9"/>
+          </p:nvPr>
+        </p:nvSpPr>
+        <p:spPr>
+          <a:xfrm flipH="1">
+            <a:off x="6353047" y="1890740"/>
+            <a:ext cx="592277" cy="3200401"/>
+          </a:xfrm>
+        </p:spPr>
+        <p:txBody>
+          <a:bodyPr vert="eaVert"/>
+          <a:lstStyle/>
+          <a:p>
+            <a:r>
+              <a:rPr lang="zh-CN" altLang="en-US" dirty="0">
+                <a:latin typeface="Microsoft YaHei"/>
+                <a:ea typeface="Microsoft YaHei"/>
+              </a:rPr>
+              <a:t>環境保護基金</a:t>
+            </a:r>
+            <a:endParaRPr lang="zh-TW" altLang="en-US" dirty="0"/>
+          </a:p>
+        </p:txBody>
+      </p:sp>
+      <p:sp>
+        <p:nvSpPr>
+          <p:cNvPr id="3" name="文字版面配置區 2">
+            <a:extLst>
+              <a:ext uri="{FF2B5EF4-FFF2-40B4-BE49-F238E27FC236}">
+                <a16:creationId xmlns:a16="http://schemas.microsoft.com/office/drawing/2014/main" id="{CE6462DC-61D6-406A-BB28-CA55F496B9C4}"/>
+              </a:ext>
+            </a:extLst>
+          </p:cNvPr>
+          <p:cNvSpPr>
+            <a:spLocks noGrp="1"/>
+          </p:cNvSpPr>
+          <p:nvPr>
+            <p:ph type="body" sz="quarter" idx="10"/>
+          </p:nvPr>
+        </p:nvSpPr>
+        <p:spPr>
+          <a:xfrm>
+            <a:off x="7153453" y="1690028"/>
+            <a:ext cx="4831677" cy="670242"/>
+          </a:xfrm>
+        </p:spPr>
+        <p:txBody>
+          <a:bodyPr/>
+          <a:lstStyle/>
+          <a:p>
+            <a:r>
+              <a:rPr lang="zh-CN" altLang="en-US" sz="2800" b="1" dirty="0"/>
+              <a:t>空氣污染防制基金</a:t>
+            </a:r>
+            <a:endParaRPr lang="zh-TW" altLang="en-US" sz="2800" b="1" dirty="0"/>
+          </a:p>
+        </p:txBody>
+      </p:sp>
+      <p:sp>
+        <p:nvSpPr>
+          <p:cNvPr id="4" name="文字版面配置區 3">
+            <a:extLst>
+              <a:ext uri="{FF2B5EF4-FFF2-40B4-BE49-F238E27FC236}">
+                <a16:creationId xmlns:a16="http://schemas.microsoft.com/office/drawing/2014/main" id="{40F45947-C995-45FA-AD54-9771FE85B3BD}"/>
+              </a:ext>
+            </a:extLst>
+          </p:cNvPr>
+          <p:cNvSpPr>
+            <a:spLocks noGrp="1"/>
+          </p:cNvSpPr>
+          <p:nvPr>
+            <p:ph type="body" sz="quarter" idx="11"/>
+          </p:nvPr>
+        </p:nvSpPr>
+        <p:spPr>
+          <a:xfrm>
+            <a:off x="7153453" y="2438256"/>
+            <a:ext cx="4831677" cy="670242"/>
+          </a:xfrm>
+        </p:spPr>
+        <p:txBody>
+          <a:bodyPr/>
+          <a:lstStyle/>
+          <a:p>
+            <a:r>
+              <a:rPr lang="zh-CN" altLang="en-US" sz="2800" dirty="0"/>
+              <a:t>資源回收管理基金</a:t>
+            </a:r>
+            <a:endParaRPr lang="zh-TW" altLang="en-US" sz="2800" dirty="0"/>
+          </a:p>
+        </p:txBody>
+      </p:sp>
+      <p:sp>
+        <p:nvSpPr>
+          <p:cNvPr id="5" name="文字版面配置區 4">
+            <a:extLst>
+              <a:ext uri="{FF2B5EF4-FFF2-40B4-BE49-F238E27FC236}">
+                <a16:creationId xmlns:a16="http://schemas.microsoft.com/office/drawing/2014/main" id="{5120FF7C-AE47-4780-880E-19CBEA5F0429}"/>
+              </a:ext>
+            </a:extLst>
+          </p:cNvPr>
+          <p:cNvSpPr>
+            <a:spLocks noGrp="1"/>
+          </p:cNvSpPr>
+          <p:nvPr>
+            <p:ph type="body" sz="quarter" idx="12"/>
+          </p:nvPr>
+        </p:nvSpPr>
+        <p:spPr>
+          <a:xfrm>
+            <a:off x="7153453" y="3186484"/>
+            <a:ext cx="4831677" cy="670242"/>
+          </a:xfrm>
+        </p:spPr>
+        <p:txBody>
+          <a:bodyPr/>
+          <a:lstStyle/>
+          <a:p>
+            <a:r>
+              <a:rPr lang="zh-CN" altLang="en-US" sz="2800" dirty="0"/>
+              <a:t>土壤及地下水污染整治基金</a:t>
+            </a:r>
+            <a:endParaRPr lang="zh-TW" altLang="en-US" sz="2800" dirty="0"/>
+          </a:p>
+        </p:txBody>
+      </p:sp>
+      <p:sp>
+        <p:nvSpPr>
+          <p:cNvPr id="6" name="文字版面配置區 5">
+            <a:extLst>
+              <a:ext uri="{FF2B5EF4-FFF2-40B4-BE49-F238E27FC236}">
+                <a16:creationId xmlns:a16="http://schemas.microsoft.com/office/drawing/2014/main" id="{52519E24-87EA-430D-A458-FAC7D4A7494E}"/>
+              </a:ext>
+            </a:extLst>
+          </p:cNvPr>
+          <p:cNvSpPr>
+            <a:spLocks noGrp="1"/>
+          </p:cNvSpPr>
+          <p:nvPr>
+            <p:ph type="body" sz="quarter" idx="13"/>
+          </p:nvPr>
+        </p:nvSpPr>
+        <p:spPr>
+          <a:xfrm>
+            <a:off x="7153453" y="3934711"/>
+            <a:ext cx="4831677" cy="670242"/>
+          </a:xfrm>
+        </p:spPr>
+        <p:txBody>
+          <a:bodyPr/>
+          <a:lstStyle/>
+          <a:p>
+            <a:r>
+              <a:rPr lang="zh-CN" altLang="en-US" sz="2800" dirty="0"/>
+              <a:t>環境教育基金</a:t>
+            </a:r>
+            <a:endParaRPr lang="zh-TW" altLang="en-US" sz="2800" dirty="0"/>
+          </a:p>
+        </p:txBody>
+      </p:sp>
+      <p:sp>
+        <p:nvSpPr>
+          <p:cNvPr id="7" name="標題 1">
+            <a:extLst>
+              <a:ext uri="{FF2B5EF4-FFF2-40B4-BE49-F238E27FC236}">
+                <a16:creationId xmlns:a16="http://schemas.microsoft.com/office/drawing/2014/main" id="{BD91B93F-89EF-4103-BF41-5613408CAF6D}"/>
+              </a:ext>
+            </a:extLst>
+          </p:cNvPr>
+          <p:cNvSpPr txBox="1">
+            <a:spLocks/>
+          </p:cNvSpPr>
+          <p:nvPr/>
+        </p:nvSpPr>
+        <p:spPr>
+          <a:xfrm flipH="1">
+            <a:off x="5186881" y="2497342"/>
+            <a:ext cx="592277" cy="1987196"/>
+          </a:xfrm>
+          <a:prstGeom prst="rect">
+            <a:avLst/>
+          </a:prstGeom>
+          <a:noFill/>
+          <a:ln>
+            <a:noFill/>
+          </a:ln>
+        </p:spPr>
+        <p:txBody>
+          <a:bodyPr spcFirstLastPara="1" vert="eaVert" wrap="square" lIns="91425" tIns="91425" rIns="91425" bIns="91425" anchor="t" anchorCtr="0">
+            <a:noAutofit/>
+          </a:bodyPr>
+          <a:lstStyle>
+            <a:defPPr marR="0" lvl="0" algn="l" rtl="0">
+              <a:lnSpc>
+                <a:spcPct val="100000"/>
+              </a:lnSpc>
+              <a:spcBef>
+                <a:spcPts val="0"/>
+              </a:spcBef>
+              <a:spcAft>
+                <a:spcPts val="0"/>
+              </a:spcAft>
+            </a:defPPr>
+            <a:lvl1pPr marR="0" lvl="0" algn="dist" rtl="0">
+              <a:lnSpc>
+                <a:spcPct val="100000"/>
+              </a:lnSpc>
+              <a:spcBef>
+                <a:spcPts val="0"/>
+              </a:spcBef>
+              <a:spcAft>
+                <a:spcPts val="0"/>
+              </a:spcAft>
+              <a:buClr>
+                <a:schemeClr val="dk1"/>
+              </a:buClr>
+              <a:buSzPts val="3500"/>
+              <a:buFont typeface="IBM Plex Sans"/>
+              <a:buNone/>
+              <a:defRPr sz="3200" b="1" i="0" u="none" strike="noStrike" cap="none">
+                <a:solidFill>
+                  <a:schemeClr val="bg1">
+                    <a:lumMod val="75000"/>
+                  </a:schemeClr>
+                </a:solidFill>
+                <a:latin typeface="+mj-ea"/>
+                <a:ea typeface="+mj-ea"/>
+                <a:cs typeface="IBM Plex Sans"/>
+                <a:sym typeface="IBM Plex Sans"/>
+              </a:defRPr>
+            </a:lvl1pPr>
+            <a:lvl2pPr marR="0" lvl="1" algn="r" rtl="0">
+              <a:lnSpc>
+                <a:spcPct val="100000"/>
+              </a:lnSpc>
+              <a:spcBef>
+                <a:spcPts val="0"/>
+              </a:spcBef>
+              <a:spcAft>
+                <a:spcPts val="0"/>
+              </a:spcAft>
+              <a:buClr>
+                <a:schemeClr val="dk1"/>
+              </a:buClr>
+              <a:buSzPts val="2800"/>
+              <a:buFont typeface="Arial" panose="020B0604020202020204"/>
+              <a:buNone/>
+              <a:defRPr sz="2800" b="0" i="0" u="none" strike="noStrike" cap="none">
+                <a:solidFill>
+                  <a:schemeClr val="dk1"/>
+                </a:solidFill>
+                <a:latin typeface="Bitter"/>
+                <a:ea typeface="Bitter"/>
+                <a:cs typeface="Bitter"/>
+                <a:sym typeface="Bitter"/>
+              </a:defRPr>
+            </a:lvl2pPr>
+            <a:lvl3pPr marR="0" lvl="2" algn="r" rtl="0">
+              <a:lnSpc>
+                <a:spcPct val="100000"/>
+              </a:lnSpc>
+              <a:spcBef>
+                <a:spcPts val="0"/>
+              </a:spcBef>
+              <a:spcAft>
+                <a:spcPts val="0"/>
+              </a:spcAft>
+              <a:buClr>
+                <a:schemeClr val="dk1"/>
+              </a:buClr>
+              <a:buSzPts val="2800"/>
+              <a:buFont typeface="Arial" panose="020B0604020202020204"/>
+              <a:buNone/>
+              <a:defRPr sz="2800" b="0" i="0" u="none" strike="noStrike" cap="none">
+                <a:solidFill>
+                  <a:schemeClr val="dk1"/>
+                </a:solidFill>
+                <a:latin typeface="Bitter"/>
+                <a:ea typeface="Bitter"/>
+                <a:cs typeface="Bitter"/>
+                <a:sym typeface="Bitter"/>
+              </a:defRPr>
+            </a:lvl3pPr>
+            <a:lvl4pPr marR="0" lvl="3" algn="r" rtl="0">
+              <a:lnSpc>
+                <a:spcPct val="100000"/>
+              </a:lnSpc>
+              <a:spcBef>
+                <a:spcPts val="0"/>
+              </a:spcBef>
+              <a:spcAft>
+                <a:spcPts val="0"/>
+              </a:spcAft>
+              <a:buClr>
+                <a:schemeClr val="dk1"/>
+              </a:buClr>
+              <a:buSzPts val="2800"/>
+              <a:buFont typeface="Arial" panose="020B0604020202020204"/>
+              <a:buNone/>
+              <a:defRPr sz="2800" b="0" i="0" u="none" strike="noStrike" cap="none">
+                <a:solidFill>
+                  <a:schemeClr val="dk1"/>
+                </a:solidFill>
+                <a:latin typeface="Bitter"/>
+                <a:ea typeface="Bitter"/>
+                <a:cs typeface="Bitter"/>
+                <a:sym typeface="Bitter"/>
+              </a:defRPr>
+            </a:lvl4pPr>
+            <a:lvl5pPr marR="0" lvl="4" algn="r" rtl="0">
+              <a:lnSpc>
+                <a:spcPct val="100000"/>
+              </a:lnSpc>
+              <a:spcBef>
+                <a:spcPts val="0"/>
+              </a:spcBef>
+              <a:spcAft>
+                <a:spcPts val="0"/>
+              </a:spcAft>
+              <a:buClr>
+                <a:schemeClr val="dk1"/>
+              </a:buClr>
+              <a:buSzPts val="2800"/>
+              <a:buFont typeface="Arial" panose="020B0604020202020204"/>
+              <a:buNone/>
+              <a:defRPr sz="2800" b="0" i="0" u="none" strike="noStrike" cap="none">
+                <a:solidFill>
+                  <a:schemeClr val="dk1"/>
+                </a:solidFill>
+                <a:latin typeface="Bitter"/>
+                <a:ea typeface="Bitter"/>
+                <a:cs typeface="Bitter"/>
+                <a:sym typeface="Bitter"/>
+              </a:defRPr>
+            </a:lvl5pPr>
+            <a:lvl6pPr marR="0" lvl="5" algn="r" rtl="0">
+              <a:lnSpc>
+                <a:spcPct val="100000"/>
+              </a:lnSpc>
+              <a:spcBef>
+                <a:spcPts val="0"/>
+              </a:spcBef>
+              <a:spcAft>
+                <a:spcPts val="0"/>
+              </a:spcAft>
+              <a:buClr>
+                <a:schemeClr val="dk1"/>
+              </a:buClr>
+              <a:buSzPts val="2800"/>
+              <a:buFont typeface="Arial" panose="020B0604020202020204"/>
+              <a:buNone/>
+              <a:defRPr sz="2800" b="0" i="0" u="none" strike="noStrike" cap="none">
+                <a:solidFill>
+                  <a:schemeClr val="dk1"/>
+                </a:solidFill>
+                <a:latin typeface="Bitter"/>
+                <a:ea typeface="Bitter"/>
+                <a:cs typeface="Bitter"/>
+                <a:sym typeface="Bitter"/>
+              </a:defRPr>
+            </a:lvl6pPr>
+            <a:lvl7pPr marR="0" lvl="6" algn="r" rtl="0">
+              <a:lnSpc>
+                <a:spcPct val="100000"/>
+              </a:lnSpc>
+              <a:spcBef>
+                <a:spcPts val="0"/>
+              </a:spcBef>
+              <a:spcAft>
+                <a:spcPts val="0"/>
+              </a:spcAft>
+              <a:buClr>
+                <a:schemeClr val="dk1"/>
+              </a:buClr>
+              <a:buSzPts val="2800"/>
+              <a:buFont typeface="Arial" panose="020B0604020202020204"/>
+              <a:buNone/>
+              <a:defRPr sz="2800" b="0" i="0" u="none" strike="noStrike" cap="none">
+                <a:solidFill>
+                  <a:schemeClr val="dk1"/>
+                </a:solidFill>
+                <a:latin typeface="Bitter"/>
+                <a:ea typeface="Bitter"/>
+                <a:cs typeface="Bitter"/>
+                <a:sym typeface="Bitter"/>
+              </a:defRPr>
+            </a:lvl7pPr>
+            <a:lvl8pPr marR="0" lvl="7" algn="r" rtl="0">
+              <a:lnSpc>
+                <a:spcPct val="100000"/>
+              </a:lnSpc>
+              <a:spcBef>
+                <a:spcPts val="0"/>
+              </a:spcBef>
+              <a:spcAft>
+                <a:spcPts val="0"/>
+              </a:spcAft>
+              <a:buClr>
+                <a:schemeClr val="dk1"/>
+              </a:buClr>
+              <a:buSzPts val="2800"/>
+              <a:buFont typeface="Arial" panose="020B0604020202020204"/>
+              <a:buNone/>
+              <a:defRPr sz="2800" b="0" i="0" u="none" strike="noStrike" cap="none">
+                <a:solidFill>
+                  <a:schemeClr val="dk1"/>
+                </a:solidFill>
+                <a:latin typeface="Bitter"/>
+                <a:ea typeface="Bitter"/>
+                <a:cs typeface="Bitter"/>
+                <a:sym typeface="Bitter"/>
+              </a:defRPr>
+            </a:lvl8pPr>
+            <a:lvl9pPr marR="0" lvl="8" algn="r" rtl="0">
+              <a:lnSpc>
+                <a:spcPct val="100000"/>
+              </a:lnSpc>
+              <a:spcBef>
+                <a:spcPts val="0"/>
+              </a:spcBef>
+              <a:spcAft>
+                <a:spcPts val="0"/>
+              </a:spcAft>
+              <a:buClr>
+                <a:schemeClr val="dk1"/>
+              </a:buClr>
+              <a:buSzPts val="2800"/>
+              <a:buFont typeface="Arial" panose="020B0604020202020204"/>
+              <a:buNone/>
+              <a:defRPr sz="2800" b="0" i="0" u="none" strike="noStrike" cap="none">
+                <a:solidFill>
+                  <a:schemeClr val="dk1"/>
+                </a:solidFill>
+                <a:latin typeface="Bitter"/>
+                <a:ea typeface="Bitter"/>
+                <a:cs typeface="Bitter"/>
+                <a:sym typeface="Bitter"/>
+              </a:defRPr>
+            </a:lvl9pPr>
+          </a:lstStyle>
+          <a:p>
+            <a:r>
+              <a:rPr lang="zh-CN" altLang="en-US" u="sng" kern="0" dirty="0">
+                <a:solidFill>
+                  <a:srgbClr val="00B0F0"/>
+                </a:solidFill>
+              </a:rPr>
+              <a:t>環境部</a:t>
+            </a:r>
+            <a:endParaRPr lang="zh-TW" altLang="en-US" kern="0" dirty="0">
+              <a:solidFill>
+                <a:srgbClr val="00B0F0"/>
+              </a:solidFill>
+            </a:endParaRPr>
+          </a:p>
+        </p:txBody>
+      </p:sp>
+      <p:sp>
+        <p:nvSpPr>
+          <p:cNvPr id="13" name="文字版面配置區 5">
+            <a:extLst>
+              <a:ext uri="{FF2B5EF4-FFF2-40B4-BE49-F238E27FC236}">
+                <a16:creationId xmlns:a16="http://schemas.microsoft.com/office/drawing/2014/main" id="{2223ED5E-B237-4833-B907-C07DB70CEA87}"/>
+              </a:ext>
+            </a:extLst>
+          </p:cNvPr>
+          <p:cNvSpPr txBox="1">
+            <a:spLocks/>
+          </p:cNvSpPr>
+          <p:nvPr/>
+        </p:nvSpPr>
+        <p:spPr>
+          <a:xfrm>
+            <a:off x="7153453" y="4682938"/>
+            <a:ext cx="4831677" cy="670242"/>
+          </a:xfrm>
+          <a:prstGeom prst="snip1Rect">
+            <a:avLst/>
+          </a:prstGeom>
+          <a:solidFill>
+            <a:srgbClr val="E7F0F8"/>
+          </a:solidFill>
+          <a:ln>
+            <a:noFill/>
+          </a:ln>
+        </p:spPr>
+        <p:txBody>
+          <a:bodyPr spcFirstLastPara="1" wrap="square" lIns="91425" tIns="91425" rIns="91425" bIns="91425" anchor="t" anchorCtr="0">
+            <a:noAutofit/>
+          </a:bodyPr>
+          <a:lstStyle>
+            <a:defPPr marR="0" lvl="0" algn="l" rtl="0">
+              <a:lnSpc>
+                <a:spcPct val="100000"/>
+              </a:lnSpc>
+              <a:spcBef>
+                <a:spcPts val="0"/>
+              </a:spcBef>
+              <a:spcAft>
+                <a:spcPts val="0"/>
+              </a:spcAft>
+            </a:defPPr>
+            <a:lvl1pPr marL="139700" marR="0" lvl="0" indent="0" algn="l" rtl="0">
+              <a:lnSpc>
+                <a:spcPct val="115000"/>
+              </a:lnSpc>
+              <a:spcBef>
+                <a:spcPts val="0"/>
+              </a:spcBef>
+              <a:spcAft>
+                <a:spcPts val="0"/>
+              </a:spcAft>
+              <a:buClr>
+                <a:schemeClr val="lt1"/>
+              </a:buClr>
+              <a:buSzPts val="1400"/>
+              <a:buFont typeface="Arial" panose="020B0604020202020204" pitchFamily="34" charset="0"/>
+              <a:buNone/>
+              <a:defRPr sz="1865" b="0" i="0" u="none" strike="noStrike" cap="none">
+                <a:solidFill>
+                  <a:schemeClr val="lt1"/>
+                </a:solidFill>
+                <a:latin typeface="+mj-ea"/>
+                <a:ea typeface="+mj-ea"/>
+                <a:cs typeface="Roboto Slab"/>
+                <a:sym typeface="Roboto Slab"/>
+              </a:defRPr>
+            </a:lvl1pPr>
+            <a:lvl2pPr marL="596900" marR="0" lvl="1" indent="0" algn="l" rtl="0">
+              <a:lnSpc>
+                <a:spcPct val="115000"/>
+              </a:lnSpc>
+              <a:spcBef>
+                <a:spcPts val="1600"/>
+              </a:spcBef>
+              <a:spcAft>
+                <a:spcPts val="0"/>
+              </a:spcAft>
+              <a:buClr>
+                <a:schemeClr val="lt1"/>
+              </a:buClr>
+              <a:buSzPts val="1400"/>
+              <a:buFont typeface="Roboto Slab"/>
+              <a:buNone/>
+              <a:defRPr sz="1865" b="0" i="0" u="none" strike="noStrike" cap="none">
+                <a:solidFill>
+                  <a:schemeClr val="lt1"/>
+                </a:solidFill>
+                <a:latin typeface="+mj-ea"/>
+                <a:ea typeface="+mj-ea"/>
+                <a:cs typeface="Roboto Slab"/>
+                <a:sym typeface="Roboto Slab"/>
+              </a:defRPr>
+            </a:lvl2pPr>
+            <a:lvl3pPr marL="1054100" marR="0" lvl="2" indent="0" algn="l" rtl="0">
+              <a:lnSpc>
+                <a:spcPct val="115000"/>
+              </a:lnSpc>
+              <a:spcBef>
+                <a:spcPts val="1600"/>
+              </a:spcBef>
+              <a:spcAft>
+                <a:spcPts val="0"/>
+              </a:spcAft>
+              <a:buClr>
+                <a:schemeClr val="lt1"/>
+              </a:buClr>
+              <a:buSzPts val="1400"/>
+              <a:buFont typeface="Roboto Slab"/>
+              <a:buNone/>
+              <a:defRPr sz="1865" b="0" i="0" u="none" strike="noStrike" cap="none">
+                <a:solidFill>
+                  <a:schemeClr val="lt1"/>
+                </a:solidFill>
+                <a:latin typeface="+mj-ea"/>
+                <a:ea typeface="+mj-ea"/>
+                <a:cs typeface="Roboto Slab"/>
+                <a:sym typeface="Roboto Slab"/>
+              </a:defRPr>
+            </a:lvl3pPr>
+            <a:lvl4pPr marL="1511300" marR="0" lvl="3" indent="0" algn="l" rtl="0">
+              <a:lnSpc>
+                <a:spcPct val="115000"/>
+              </a:lnSpc>
+              <a:spcBef>
+                <a:spcPts val="1600"/>
+              </a:spcBef>
+              <a:spcAft>
+                <a:spcPts val="0"/>
+              </a:spcAft>
+              <a:buClr>
+                <a:schemeClr val="lt1"/>
+              </a:buClr>
+              <a:buSzPts val="1400"/>
+              <a:buFont typeface="Roboto Slab"/>
+              <a:buNone/>
+              <a:defRPr sz="1865" b="0" i="0" u="none" strike="noStrike" cap="none">
+                <a:solidFill>
+                  <a:schemeClr val="lt1"/>
+                </a:solidFill>
+                <a:latin typeface="+mj-ea"/>
+                <a:ea typeface="+mj-ea"/>
+                <a:cs typeface="Roboto Slab"/>
+                <a:sym typeface="Roboto Slab"/>
+              </a:defRPr>
+            </a:lvl4pPr>
+            <a:lvl5pPr marL="1968500" marR="0" lvl="4" indent="0" algn="l" rtl="0">
+              <a:lnSpc>
+                <a:spcPct val="115000"/>
+              </a:lnSpc>
+              <a:spcBef>
+                <a:spcPts val="1600"/>
+              </a:spcBef>
+              <a:spcAft>
+                <a:spcPts val="0"/>
+              </a:spcAft>
+              <a:buClr>
+                <a:schemeClr val="lt1"/>
+              </a:buClr>
+              <a:buSzPts val="1400"/>
+              <a:buFont typeface="Roboto Slab"/>
+              <a:buNone/>
+              <a:defRPr sz="1865" b="0" i="0" u="none" strike="noStrike" cap="none">
+                <a:solidFill>
+                  <a:schemeClr val="lt1"/>
+                </a:solidFill>
+                <a:latin typeface="+mj-ea"/>
+                <a:ea typeface="+mj-ea"/>
+                <a:cs typeface="Roboto Slab"/>
+                <a:sym typeface="Roboto Slab"/>
+              </a:defRPr>
+            </a:lvl5pPr>
+            <a:lvl6pPr marL="2743200" marR="0" lvl="5" indent="-317500" algn="l" rtl="0">
+              <a:lnSpc>
+                <a:spcPct val="115000"/>
+              </a:lnSpc>
+              <a:spcBef>
+                <a:spcPts val="1600"/>
+              </a:spcBef>
+              <a:spcAft>
+                <a:spcPts val="0"/>
+              </a:spcAft>
+              <a:buClr>
+                <a:schemeClr val="lt1"/>
+              </a:buClr>
+              <a:buSzPts val="1400"/>
+              <a:buFont typeface="Roboto Slab"/>
+              <a:buChar char="■"/>
+              <a:defRPr sz="1865" b="0" i="0" u="none" strike="noStrike" cap="none">
+                <a:solidFill>
+                  <a:schemeClr val="lt1"/>
+                </a:solidFill>
+                <a:latin typeface="Roboto Slab"/>
+                <a:ea typeface="Roboto Slab"/>
+                <a:cs typeface="Roboto Slab"/>
+                <a:sym typeface="Roboto Slab"/>
+              </a:defRPr>
+            </a:lvl6pPr>
+            <a:lvl7pPr marL="3200400" marR="0" lvl="6" indent="-330200" algn="l" rtl="0">
+              <a:lnSpc>
+                <a:spcPct val="115000"/>
+              </a:lnSpc>
+              <a:spcBef>
+                <a:spcPts val="1600"/>
+              </a:spcBef>
+              <a:spcAft>
+                <a:spcPts val="0"/>
+              </a:spcAft>
+              <a:buClr>
+                <a:schemeClr val="lt1"/>
+              </a:buClr>
+              <a:buSzPts val="1600"/>
+              <a:buFont typeface="Roboto Slab"/>
+              <a:buChar char="●"/>
+              <a:defRPr sz="1600" b="0" i="0" u="none" strike="noStrike" cap="none">
+                <a:solidFill>
+                  <a:schemeClr val="lt1"/>
+                </a:solidFill>
+                <a:latin typeface="Roboto Slab"/>
+                <a:ea typeface="Roboto Slab"/>
+                <a:cs typeface="Roboto Slab"/>
+                <a:sym typeface="Roboto Slab"/>
+              </a:defRPr>
+            </a:lvl7pPr>
+            <a:lvl8pPr marL="3657600" marR="0" lvl="7" indent="-317500" algn="l" rtl="0">
+              <a:lnSpc>
+                <a:spcPct val="115000"/>
+              </a:lnSpc>
+              <a:spcBef>
+                <a:spcPts val="1600"/>
+              </a:spcBef>
+              <a:spcAft>
+                <a:spcPts val="0"/>
+              </a:spcAft>
+              <a:buClr>
+                <a:schemeClr val="dk2"/>
+              </a:buClr>
+              <a:buSzPts val="1400"/>
+              <a:buFont typeface="Arial" panose="020B0604020202020204"/>
+              <a:buChar char="○"/>
+              <a:defRPr sz="1865" b="0" i="0" u="none" strike="noStrike" cap="none">
+                <a:solidFill>
+                  <a:schemeClr val="dk2"/>
+                </a:solidFill>
+                <a:latin typeface="Arial" panose="020B0604020202020204"/>
+                <a:ea typeface="Arial" panose="020B0604020202020204"/>
+                <a:cs typeface="Arial" panose="020B0604020202020204"/>
+                <a:sym typeface="Arial" panose="020B0604020202020204"/>
+              </a:defRPr>
+            </a:lvl8pPr>
+            <a:lvl9pPr marL="4114800" marR="0" lvl="8" indent="-317500" algn="l" rtl="0">
+              <a:lnSpc>
+                <a:spcPct val="115000"/>
+              </a:lnSpc>
+              <a:spcBef>
+                <a:spcPts val="1600"/>
+              </a:spcBef>
+              <a:spcAft>
+                <a:spcPts val="1600"/>
+              </a:spcAft>
+              <a:buClr>
+                <a:schemeClr val="dk2"/>
+              </a:buClr>
+              <a:buSzPts val="1400"/>
+              <a:buFont typeface="Arial" panose="020B0604020202020204"/>
+              <a:buChar char="■"/>
+              <a:defRPr sz="1865" b="0" i="0" u="none" strike="noStrike" cap="none">
+                <a:solidFill>
+                  <a:schemeClr val="dk2"/>
+                </a:solidFill>
+                <a:latin typeface="Arial" panose="020B0604020202020204"/>
+                <a:ea typeface="Arial" panose="020B0604020202020204"/>
+                <a:cs typeface="Arial" panose="020B0604020202020204"/>
+                <a:sym typeface="Arial" panose="020B0604020202020204"/>
+              </a:defRPr>
+            </a:lvl9pPr>
+          </a:lstStyle>
+          <a:p>
+            <a:r>
+              <a:rPr lang="zh-CN" altLang="en-US" sz="2800" b="1" kern="0" dirty="0"/>
+              <a:t>溫室氣體管理基金</a:t>
+            </a:r>
+            <a:endParaRPr lang="zh-TW" altLang="en-US" sz="2800" b="1" kern="0" dirty="0"/>
+          </a:p>
+        </p:txBody>
+      </p:sp>
+      <p:cxnSp>
+        <p:nvCxnSpPr>
+          <p:cNvPr id="21" name="直線單箭頭接點 20">
+            <a:extLst>
+              <a:ext uri="{FF2B5EF4-FFF2-40B4-BE49-F238E27FC236}">
+                <a16:creationId xmlns:a16="http://schemas.microsoft.com/office/drawing/2014/main" id="{49FF44CB-0AEE-42D9-9EC7-EEBFDF0DFFFE}"/>
+              </a:ext>
+            </a:extLst>
+          </p:cNvPr>
+          <p:cNvCxnSpPr>
+            <a:cxnSpLocks/>
+            <a:stCxn id="7" idx="1"/>
+            <a:endCxn id="2" idx="3"/>
+          </p:cNvCxnSpPr>
+          <p:nvPr/>
+        </p:nvCxnSpPr>
+        <p:spPr>
+          <a:xfrm>
+            <a:off x="5779158" y="3490940"/>
+            <a:ext cx="573889" cy="1"/>
+          </a:xfrm>
+          <a:prstGeom prst="straightConnector1">
+            <a:avLst/>
+          </a:prstGeom>
+          <a:ln w="57150">
+            <a:tailEnd type="triangle"/>
+          </a:ln>
+        </p:spPr>
+        <p:style>
+          <a:lnRef idx="1">
+            <a:schemeClr val="accent1"/>
+          </a:lnRef>
+          <a:fillRef idx="0">
+            <a:schemeClr val="accent1"/>
+          </a:fillRef>
+          <a:effectRef idx="0">
+            <a:schemeClr val="accent1"/>
+          </a:effectRef>
+          <a:fontRef idx="minor">
+            <a:schemeClr val="tx1"/>
+          </a:fontRef>
+        </p:style>
+      </p:cxnSp>
+    </p:spTree>
+    <p:extLst>
+      <p:ext uri="{BB962C8B-B14F-4D97-AF65-F5344CB8AC3E}">
+        <p14:creationId xmlns:p14="http://schemas.microsoft.com/office/powerpoint/2010/main" val="1541214558"/>
+      </p:ext>
+    </p:extLst>
+  </p:cSld>
+  <p:clrMapOvr>
+    <a:masterClrMapping/>
+  </p:clrMapOvr>
+</p:sld>
+</file>
+
+<file path=ppt/slides/slide13.xml><?xml version="1.0" encoding="utf-8"?>
+<p:sld xmlns:a="http://schemas.openxmlformats.org/drawingml/2006/main" xmlns:r="http://schemas.openxmlformats.org/officeDocument/2006/relationships" xmlns:p="http://schemas.openxmlformats.org/presentationml/2006/main">
+  <p:cSld>
+    <p:spTree>
+      <p:nvGrpSpPr>
+        <p:cNvPr id="1" name=""/>
+        <p:cNvGrpSpPr/>
+        <p:nvPr/>
+      </p:nvGrpSpPr>
+      <p:grpSpPr>
+        <a:xfrm>
+          <a:off x="0" y="0"/>
+          <a:ext cx="0" cy="0"/>
+          <a:chOff x="0" y="0"/>
+          <a:chExt cx="0" cy="0"/>
+        </a:xfrm>
+      </p:grpSpPr>
+      <p:sp>
+        <p:nvSpPr>
           <p:cNvPr id="3" name="文字版面配置區 2">
             <a:extLst>
               <a:ext uri="{FF2B5EF4-FFF2-40B4-BE49-F238E27FC236}">
@@ -26767,7 +27592,7 @@
 </p:sld>
 </file>
 
-<file path=ppt/slides/slide13.xml><?xml version="1.0" encoding="utf-8"?>
+<file path=ppt/slides/slide14.xml><?xml version="1.0" encoding="utf-8"?>
 <p:sld xmlns:a="http://schemas.openxmlformats.org/drawingml/2006/main" xmlns:r="http://schemas.openxmlformats.org/officeDocument/2006/relationships" xmlns:p="http://schemas.openxmlformats.org/presentationml/2006/main">
   <p:cSld>
     <p:spTree>
@@ -27491,7 +28316,7 @@
 </p:sld>
 </file>
 
-<file path=ppt/slides/slide14.xml><?xml version="1.0" encoding="utf-8"?>
+<file path=ppt/slides/slide15.xml><?xml version="1.0" encoding="utf-8"?>
 <p:sld xmlns:a="http://schemas.openxmlformats.org/drawingml/2006/main" xmlns:r="http://schemas.openxmlformats.org/officeDocument/2006/relationships" xmlns:p="http://schemas.openxmlformats.org/presentationml/2006/main">
   <p:cSld>
     <p:spTree>
@@ -27607,7 +28432,7 @@
 </p:sld>
 </file>
 
-<file path=ppt/slides/slide15.xml><?xml version="1.0" encoding="utf-8"?>
+<file path=ppt/slides/slide16.xml><?xml version="1.0" encoding="utf-8"?>
 <p:sld xmlns:a="http://schemas.openxmlformats.org/drawingml/2006/main" xmlns:r="http://schemas.openxmlformats.org/officeDocument/2006/relationships" xmlns:p="http://schemas.openxmlformats.org/presentationml/2006/main">
   <p:cSld>
     <p:spTree>
@@ -29553,7 +30378,7 @@
 </p:sld>
 </file>
 
-<file path=ppt/slides/slide16.xml><?xml version="1.0" encoding="utf-8"?>
+<file path=ppt/slides/slide17.xml><?xml version="1.0" encoding="utf-8"?>
 <p:sld xmlns:a="http://schemas.openxmlformats.org/drawingml/2006/main" xmlns:r="http://schemas.openxmlformats.org/officeDocument/2006/relationships" xmlns:p="http://schemas.openxmlformats.org/presentationml/2006/main">
   <p:cSld>
     <p:spTree>
@@ -29658,7 +30483,7 @@
 </p:sld>
 </file>
 
-<file path=ppt/slides/slide17.xml><?xml version="1.0" encoding="utf-8"?>
+<file path=ppt/slides/slide18.xml><?xml version="1.0" encoding="utf-8"?>
 <p:sld xmlns:a="http://schemas.openxmlformats.org/drawingml/2006/main" xmlns:r="http://schemas.openxmlformats.org/officeDocument/2006/relationships" xmlns:p="http://schemas.openxmlformats.org/presentationml/2006/main">
   <p:cSld>
     <p:spTree>
@@ -30698,7 +31523,7 @@
 </p:sld>
 </file>
 
-<file path=ppt/slides/slide18.xml><?xml version="1.0" encoding="utf-8"?>
+<file path=ppt/slides/slide19.xml><?xml version="1.0" encoding="utf-8"?>
 <p:sld xmlns:a="http://schemas.openxmlformats.org/drawingml/2006/main" xmlns:r="http://schemas.openxmlformats.org/officeDocument/2006/relationships" xmlns:p="http://schemas.openxmlformats.org/presentationml/2006/main">
   <p:cSld>
     <p:spTree>
@@ -31839,117 +32664,6 @@
     <p:extLst>
       <p:ext uri="{BB962C8B-B14F-4D97-AF65-F5344CB8AC3E}">
         <p14:creationId xmlns:p14="http://schemas.microsoft.com/office/powerpoint/2010/main" val="484693872"/>
-      </p:ext>
-    </p:extLst>
-  </p:cSld>
-  <p:clrMapOvr>
-    <a:masterClrMapping/>
-  </p:clrMapOvr>
-</p:sld>
-</file>
-
-<file path=ppt/slides/slide19.xml><?xml version="1.0" encoding="utf-8"?>
-<p:sld xmlns:a="http://schemas.openxmlformats.org/drawingml/2006/main" xmlns:r="http://schemas.openxmlformats.org/officeDocument/2006/relationships" xmlns:p="http://schemas.openxmlformats.org/presentationml/2006/main">
-  <p:cSld>
-    <p:spTree>
-      <p:nvGrpSpPr>
-        <p:cNvPr id="1" name="Shape 1961"/>
-        <p:cNvGrpSpPr/>
-        <p:nvPr/>
-      </p:nvGrpSpPr>
-      <p:grpSpPr>
-        <a:xfrm>
-          <a:off x="0" y="0"/>
-          <a:ext cx="0" cy="0"/>
-          <a:chOff x="0" y="0"/>
-          <a:chExt cx="0" cy="0"/>
-        </a:xfrm>
-      </p:grpSpPr>
-      <p:sp>
-        <p:nvSpPr>
-          <p:cNvPr id="1963" name="Google Shape;1963;p41"/>
-          <p:cNvSpPr txBox="1">
-            <a:spLocks noGrp="1"/>
-          </p:cNvSpPr>
-          <p:nvPr>
-            <p:ph type="title"/>
-          </p:nvPr>
-        </p:nvSpPr>
-        <p:spPr>
-          <a:xfrm>
-            <a:off x="4238867" y="2362167"/>
-            <a:ext cx="5625200" cy="1792400"/>
-          </a:xfrm>
-          <a:prstGeom prst="rect">
-            <a:avLst/>
-          </a:prstGeom>
-        </p:spPr>
-        <p:txBody>
-          <a:bodyPr spcFirstLastPara="1" wrap="square" lIns="121900" tIns="121900" rIns="121900" bIns="121900" anchor="ctr" anchorCtr="0">
-            <a:noAutofit/>
-          </a:bodyPr>
-          <a:lstStyle/>
-          <a:p>
-            <a:r>
-              <a:rPr lang="zh-CN" altLang="en-US" dirty="0"/>
-              <a:t>用途</a:t>
-            </a:r>
-            <a:endParaRPr dirty="0"/>
-          </a:p>
-        </p:txBody>
-      </p:sp>
-      <p:sp>
-        <p:nvSpPr>
-          <p:cNvPr id="5" name="副標題 4"/>
-          <p:cNvSpPr>
-            <a:spLocks noGrp="1"/>
-          </p:cNvSpPr>
-          <p:nvPr>
-            <p:ph type="subTitle" idx="1"/>
-          </p:nvPr>
-        </p:nvSpPr>
-        <p:spPr/>
-        <p:txBody>
-          <a:bodyPr/>
-          <a:lstStyle/>
-          <a:p>
-            <a:endParaRPr lang="zh-HK" altLang="en-US" dirty="0"/>
-          </a:p>
-        </p:txBody>
-      </p:sp>
-      <p:sp>
-        <p:nvSpPr>
-          <p:cNvPr id="3" name="標題 2">
-            <a:extLst>
-              <a:ext uri="{FF2B5EF4-FFF2-40B4-BE49-F238E27FC236}">
-                <a16:creationId xmlns:a16="http://schemas.microsoft.com/office/drawing/2014/main" id="{7AF2DF2B-E7D9-4FB6-855E-8E45A319E1FF}"/>
-              </a:ext>
-            </a:extLst>
-          </p:cNvPr>
-          <p:cNvSpPr>
-            <a:spLocks noGrp="1"/>
-          </p:cNvSpPr>
-          <p:nvPr>
-            <p:ph type="title" idx="2"/>
-          </p:nvPr>
-        </p:nvSpPr>
-        <p:spPr/>
-        <p:txBody>
-          <a:bodyPr/>
-          <a:lstStyle/>
-          <a:p>
-            <a:r>
-              <a:rPr lang="en-US" altLang="zh-TW" dirty="0"/>
-              <a:t>04</a:t>
-            </a:r>
-            <a:endParaRPr lang="zh-TW" altLang="en-US" dirty="0"/>
-          </a:p>
-        </p:txBody>
-      </p:sp>
-    </p:spTree>
-    <p:extLst>
-      <p:ext uri="{BB962C8B-B14F-4D97-AF65-F5344CB8AC3E}">
-        <p14:creationId xmlns:p14="http://schemas.microsoft.com/office/powerpoint/2010/main" val="3357625317"/>
       </p:ext>
     </p:extLst>
   </p:cSld>
@@ -32928,6 +33642,117 @@
   <p:cSld>
     <p:spTree>
       <p:nvGrpSpPr>
+        <p:cNvPr id="1" name="Shape 1961"/>
+        <p:cNvGrpSpPr/>
+        <p:nvPr/>
+      </p:nvGrpSpPr>
+      <p:grpSpPr>
+        <a:xfrm>
+          <a:off x="0" y="0"/>
+          <a:ext cx="0" cy="0"/>
+          <a:chOff x="0" y="0"/>
+          <a:chExt cx="0" cy="0"/>
+        </a:xfrm>
+      </p:grpSpPr>
+      <p:sp>
+        <p:nvSpPr>
+          <p:cNvPr id="1963" name="Google Shape;1963;p41"/>
+          <p:cNvSpPr txBox="1">
+            <a:spLocks noGrp="1"/>
+          </p:cNvSpPr>
+          <p:nvPr>
+            <p:ph type="title"/>
+          </p:nvPr>
+        </p:nvSpPr>
+        <p:spPr>
+          <a:xfrm>
+            <a:off x="4238867" y="2362167"/>
+            <a:ext cx="5625200" cy="1792400"/>
+          </a:xfrm>
+          <a:prstGeom prst="rect">
+            <a:avLst/>
+          </a:prstGeom>
+        </p:spPr>
+        <p:txBody>
+          <a:bodyPr spcFirstLastPara="1" wrap="square" lIns="121900" tIns="121900" rIns="121900" bIns="121900" anchor="ctr" anchorCtr="0">
+            <a:noAutofit/>
+          </a:bodyPr>
+          <a:lstStyle/>
+          <a:p>
+            <a:r>
+              <a:rPr lang="zh-CN" altLang="en-US" dirty="0"/>
+              <a:t>用途</a:t>
+            </a:r>
+            <a:endParaRPr dirty="0"/>
+          </a:p>
+        </p:txBody>
+      </p:sp>
+      <p:sp>
+        <p:nvSpPr>
+          <p:cNvPr id="5" name="副標題 4"/>
+          <p:cNvSpPr>
+            <a:spLocks noGrp="1"/>
+          </p:cNvSpPr>
+          <p:nvPr>
+            <p:ph type="subTitle" idx="1"/>
+          </p:nvPr>
+        </p:nvSpPr>
+        <p:spPr/>
+        <p:txBody>
+          <a:bodyPr/>
+          <a:lstStyle/>
+          <a:p>
+            <a:endParaRPr lang="zh-HK" altLang="en-US" dirty="0"/>
+          </a:p>
+        </p:txBody>
+      </p:sp>
+      <p:sp>
+        <p:nvSpPr>
+          <p:cNvPr id="3" name="標題 2">
+            <a:extLst>
+              <a:ext uri="{FF2B5EF4-FFF2-40B4-BE49-F238E27FC236}">
+                <a16:creationId xmlns:a16="http://schemas.microsoft.com/office/drawing/2014/main" id="{7AF2DF2B-E7D9-4FB6-855E-8E45A319E1FF}"/>
+              </a:ext>
+            </a:extLst>
+          </p:cNvPr>
+          <p:cNvSpPr>
+            <a:spLocks noGrp="1"/>
+          </p:cNvSpPr>
+          <p:nvPr>
+            <p:ph type="title" idx="2"/>
+          </p:nvPr>
+        </p:nvSpPr>
+        <p:spPr/>
+        <p:txBody>
+          <a:bodyPr/>
+          <a:lstStyle/>
+          <a:p>
+            <a:r>
+              <a:rPr lang="en-US" altLang="zh-TW" dirty="0"/>
+              <a:t>04</a:t>
+            </a:r>
+            <a:endParaRPr lang="zh-TW" altLang="en-US" dirty="0"/>
+          </a:p>
+        </p:txBody>
+      </p:sp>
+    </p:spTree>
+    <p:extLst>
+      <p:ext uri="{BB962C8B-B14F-4D97-AF65-F5344CB8AC3E}">
+        <p14:creationId xmlns:p14="http://schemas.microsoft.com/office/powerpoint/2010/main" val="3357625317"/>
+      </p:ext>
+    </p:extLst>
+  </p:cSld>
+  <p:clrMapOvr>
+    <a:masterClrMapping/>
+  </p:clrMapOvr>
+</p:sld>
+</file>
+
+<file path=ppt/slides/slide21.xml><?xml version="1.0" encoding="utf-8"?>
+<p:sld xmlns:a="http://schemas.openxmlformats.org/drawingml/2006/main" xmlns:r="http://schemas.openxmlformats.org/officeDocument/2006/relationships" xmlns:p="http://schemas.openxmlformats.org/presentationml/2006/main">
+  <p:cSld>
+    <p:spTree>
+      <p:nvGrpSpPr>
         <p:cNvPr id="1" name=""/>
         <p:cNvGrpSpPr/>
         <p:nvPr/>
@@ -33971,7 +34796,7 @@
 </p:sld>
 </file>
 
-<file path=ppt/slides/slide21.xml><?xml version="1.0" encoding="utf-8"?>
+<file path=ppt/slides/slide22.xml><?xml version="1.0" encoding="utf-8"?>
 <p:sld xmlns:a="http://schemas.openxmlformats.org/drawingml/2006/main" xmlns:r="http://schemas.openxmlformats.org/officeDocument/2006/relationships" xmlns:p="http://schemas.openxmlformats.org/presentationml/2006/main">
   <p:cSld>
     <p:spTree>
@@ -34082,7 +34907,7 @@
 </p:sld>
 </file>
 
-<file path=ppt/slides/slide22.xml><?xml version="1.0" encoding="utf-8"?>
+<file path=ppt/slides/slide23.xml><?xml version="1.0" encoding="utf-8"?>
 <p:sld xmlns:a="http://schemas.openxmlformats.org/drawingml/2006/main" xmlns:r="http://schemas.openxmlformats.org/officeDocument/2006/relationships" xmlns:p="http://schemas.openxmlformats.org/presentationml/2006/main">
   <p:cSld>
     <p:spTree>
@@ -35177,7 +36002,7 @@
 </p:sld>
 </file>
 
-<file path=ppt/slides/slide23.xml><?xml version="1.0" encoding="utf-8"?>
+<file path=ppt/slides/slide24.xml><?xml version="1.0" encoding="utf-8"?>
 <p:sld xmlns:a="http://schemas.openxmlformats.org/drawingml/2006/main" xmlns:r="http://schemas.openxmlformats.org/officeDocument/2006/relationships" xmlns:p="http://schemas.openxmlformats.org/presentationml/2006/main">
   <p:cSld>
     <p:spTree>
@@ -36499,7 +37324,7 @@
 </p:sld>
 </file>
 
-<file path=ppt/slides/slide24.xml><?xml version="1.0" encoding="utf-8"?>
+<file path=ppt/slides/slide25.xml><?xml version="1.0" encoding="utf-8"?>
 <p:sld xmlns:a="http://schemas.openxmlformats.org/drawingml/2006/main" xmlns:r="http://schemas.openxmlformats.org/officeDocument/2006/relationships" xmlns:p="http://schemas.openxmlformats.org/presentationml/2006/main">
   <p:cSld>
     <p:spTree>
@@ -36610,7 +37435,7 @@
 </p:sld>
 </file>
 
-<file path=ppt/slides/slide25.xml><?xml version="1.0" encoding="utf-8"?>
+<file path=ppt/slides/slide26.xml><?xml version="1.0" encoding="utf-8"?>
 <p:sld xmlns:a="http://schemas.openxmlformats.org/drawingml/2006/main" xmlns:r="http://schemas.openxmlformats.org/officeDocument/2006/relationships" xmlns:p="http://schemas.openxmlformats.org/presentationml/2006/main">
   <p:cSld>
     <p:spTree>
@@ -37031,7 +37856,7 @@
 </p:sld>
 </file>
 
-<file path=ppt/slides/slide26.xml><?xml version="1.0" encoding="utf-8"?>
+<file path=ppt/slides/slide27.xml><?xml version="1.0" encoding="utf-8"?>
 <p:sld xmlns:a="http://schemas.openxmlformats.org/drawingml/2006/main" xmlns:r="http://schemas.openxmlformats.org/officeDocument/2006/relationships" xmlns:p="http://schemas.openxmlformats.org/presentationml/2006/main">
   <p:cSld>
     <p:spTree>
@@ -37823,7 +38648,7 @@
 </p:sld>
 </file>
 
-<file path=ppt/slides/slide27.xml><?xml version="1.0" encoding="utf-8"?>
+<file path=ppt/slides/slide28.xml><?xml version="1.0" encoding="utf-8"?>
 <p:sld xmlns:a="http://schemas.openxmlformats.org/drawingml/2006/main" xmlns:r="http://schemas.openxmlformats.org/officeDocument/2006/relationships" xmlns:p="http://schemas.openxmlformats.org/presentationml/2006/main">
   <p:cSld>
     <p:spTree>
